--- a/public/GOFOX_facilitation_slides_fixed.pptx
+++ b/public/GOFOX_facilitation_slides_fixed.pptx
@@ -219,7 +219,7 @@
           <a:p>
             <a:fld id="{42765357-8744-48A9-ABAF-220D96406E43}" type="datetimeFigureOut">
               <a:rPr lang="en-GB" smtClean="0"/>
-              <a:t>16/09/2019</a:t>
+              <a:t>07/04/2021</a:t>
             </a:fld>
             <a:endParaRPr lang="en-GB"/>
           </a:p>
@@ -378,7 +378,7 @@
           <a:p>
             <a:fld id="{19BBBA81-0641-4DAC-945B-BCF048C8C021}" type="slidenum">
               <a:rPr lang="en-GB" smtClean="0"/>
-              <a:t>‹Nº›</a:t>
+              <a:t>‹#›</a:t>
             </a:fld>
             <a:endParaRPr lang="en-GB"/>
           </a:p>
@@ -1370,7 +1370,7 @@
           <a:p>
             <a:fld id="{A7E1A4B6-3731-4EDA-AC55-7C43CB84885A}" type="datetimeFigureOut">
               <a:rPr lang="en-GB" smtClean="0"/>
-              <a:t>16/09/2019</a:t>
+              <a:t>07/04/2021</a:t>
             </a:fld>
             <a:endParaRPr lang="en-GB"/>
           </a:p>
@@ -1412,7 +1412,7 @@
           <a:p>
             <a:fld id="{76576B4B-38A6-44EB-8306-DA5BB936D590}" type="slidenum">
               <a:rPr lang="en-GB" smtClean="0"/>
-              <a:t>‹Nº›</a:t>
+              <a:t>‹#›</a:t>
             </a:fld>
             <a:endParaRPr lang="en-GB"/>
           </a:p>
@@ -1540,7 +1540,7 @@
           <a:p>
             <a:fld id="{A7E1A4B6-3731-4EDA-AC55-7C43CB84885A}" type="datetimeFigureOut">
               <a:rPr lang="en-GB" smtClean="0"/>
-              <a:t>16/09/2019</a:t>
+              <a:t>07/04/2021</a:t>
             </a:fld>
             <a:endParaRPr lang="en-GB"/>
           </a:p>
@@ -1582,7 +1582,7 @@
           <a:p>
             <a:fld id="{76576B4B-38A6-44EB-8306-DA5BB936D590}" type="slidenum">
               <a:rPr lang="en-GB" smtClean="0"/>
-              <a:t>‹Nº›</a:t>
+              <a:t>‹#›</a:t>
             </a:fld>
             <a:endParaRPr lang="en-GB"/>
           </a:p>
@@ -1720,7 +1720,7 @@
           <a:p>
             <a:fld id="{A7E1A4B6-3731-4EDA-AC55-7C43CB84885A}" type="datetimeFigureOut">
               <a:rPr lang="en-GB" smtClean="0"/>
-              <a:t>16/09/2019</a:t>
+              <a:t>07/04/2021</a:t>
             </a:fld>
             <a:endParaRPr lang="en-GB"/>
           </a:p>
@@ -1762,7 +1762,7 @@
           <a:p>
             <a:fld id="{76576B4B-38A6-44EB-8306-DA5BB936D590}" type="slidenum">
               <a:rPr lang="en-GB" smtClean="0"/>
-              <a:t>‹Nº›</a:t>
+              <a:t>‹#›</a:t>
             </a:fld>
             <a:endParaRPr lang="en-GB"/>
           </a:p>
@@ -1890,7 +1890,7 @@
           <a:p>
             <a:fld id="{A7E1A4B6-3731-4EDA-AC55-7C43CB84885A}" type="datetimeFigureOut">
               <a:rPr lang="en-GB" smtClean="0"/>
-              <a:t>16/09/2019</a:t>
+              <a:t>07/04/2021</a:t>
             </a:fld>
             <a:endParaRPr lang="en-GB"/>
           </a:p>
@@ -1932,7 +1932,7 @@
           <a:p>
             <a:fld id="{76576B4B-38A6-44EB-8306-DA5BB936D590}" type="slidenum">
               <a:rPr lang="en-GB" smtClean="0"/>
-              <a:t>‹Nº›</a:t>
+              <a:t>‹#›</a:t>
             </a:fld>
             <a:endParaRPr lang="en-GB"/>
           </a:p>
@@ -2136,7 +2136,7 @@
           <a:p>
             <a:fld id="{A7E1A4B6-3731-4EDA-AC55-7C43CB84885A}" type="datetimeFigureOut">
               <a:rPr lang="en-GB" smtClean="0"/>
-              <a:t>16/09/2019</a:t>
+              <a:t>07/04/2021</a:t>
             </a:fld>
             <a:endParaRPr lang="en-GB"/>
           </a:p>
@@ -2178,7 +2178,7 @@
           <a:p>
             <a:fld id="{76576B4B-38A6-44EB-8306-DA5BB936D590}" type="slidenum">
               <a:rPr lang="en-GB" smtClean="0"/>
-              <a:t>‹Nº›</a:t>
+              <a:t>‹#›</a:t>
             </a:fld>
             <a:endParaRPr lang="en-GB"/>
           </a:p>
@@ -2368,7 +2368,7 @@
           <a:p>
             <a:fld id="{A7E1A4B6-3731-4EDA-AC55-7C43CB84885A}" type="datetimeFigureOut">
               <a:rPr lang="en-GB" smtClean="0"/>
-              <a:t>16/09/2019</a:t>
+              <a:t>07/04/2021</a:t>
             </a:fld>
             <a:endParaRPr lang="en-GB"/>
           </a:p>
@@ -2410,7 +2410,7 @@
           <a:p>
             <a:fld id="{76576B4B-38A6-44EB-8306-DA5BB936D590}" type="slidenum">
               <a:rPr lang="en-GB" smtClean="0"/>
-              <a:t>‹Nº›</a:t>
+              <a:t>‹#›</a:t>
             </a:fld>
             <a:endParaRPr lang="en-GB"/>
           </a:p>
@@ -2735,7 +2735,7 @@
           <a:p>
             <a:fld id="{A7E1A4B6-3731-4EDA-AC55-7C43CB84885A}" type="datetimeFigureOut">
               <a:rPr lang="en-GB" smtClean="0"/>
-              <a:t>16/09/2019</a:t>
+              <a:t>07/04/2021</a:t>
             </a:fld>
             <a:endParaRPr lang="en-GB"/>
           </a:p>
@@ -2777,7 +2777,7 @@
           <a:p>
             <a:fld id="{76576B4B-38A6-44EB-8306-DA5BB936D590}" type="slidenum">
               <a:rPr lang="en-GB" smtClean="0"/>
-              <a:t>‹Nº›</a:t>
+              <a:t>‹#›</a:t>
             </a:fld>
             <a:endParaRPr lang="en-GB"/>
           </a:p>
@@ -2853,7 +2853,7 @@
           <a:p>
             <a:fld id="{A7E1A4B6-3731-4EDA-AC55-7C43CB84885A}" type="datetimeFigureOut">
               <a:rPr lang="en-GB" smtClean="0"/>
-              <a:t>16/09/2019</a:t>
+              <a:t>07/04/2021</a:t>
             </a:fld>
             <a:endParaRPr lang="en-GB"/>
           </a:p>
@@ -2895,7 +2895,7 @@
           <a:p>
             <a:fld id="{76576B4B-38A6-44EB-8306-DA5BB936D590}" type="slidenum">
               <a:rPr lang="en-GB" smtClean="0"/>
-              <a:t>‹Nº›</a:t>
+              <a:t>‹#›</a:t>
             </a:fld>
             <a:endParaRPr lang="en-GB"/>
           </a:p>
@@ -2948,7 +2948,7 @@
           <a:p>
             <a:fld id="{A7E1A4B6-3731-4EDA-AC55-7C43CB84885A}" type="datetimeFigureOut">
               <a:rPr lang="en-GB" smtClean="0"/>
-              <a:t>16/09/2019</a:t>
+              <a:t>07/04/2021</a:t>
             </a:fld>
             <a:endParaRPr lang="en-GB"/>
           </a:p>
@@ -2990,7 +2990,7 @@
           <a:p>
             <a:fld id="{76576B4B-38A6-44EB-8306-DA5BB936D590}" type="slidenum">
               <a:rPr lang="en-GB" smtClean="0"/>
-              <a:t>‹Nº›</a:t>
+              <a:t>‹#›</a:t>
             </a:fld>
             <a:endParaRPr lang="en-GB"/>
           </a:p>
@@ -3225,7 +3225,7 @@
           <a:p>
             <a:fld id="{A7E1A4B6-3731-4EDA-AC55-7C43CB84885A}" type="datetimeFigureOut">
               <a:rPr lang="en-GB" smtClean="0"/>
-              <a:t>16/09/2019</a:t>
+              <a:t>07/04/2021</a:t>
             </a:fld>
             <a:endParaRPr lang="en-GB"/>
           </a:p>
@@ -3267,7 +3267,7 @@
           <a:p>
             <a:fld id="{76576B4B-38A6-44EB-8306-DA5BB936D590}" type="slidenum">
               <a:rPr lang="en-GB" smtClean="0"/>
-              <a:t>‹Nº›</a:t>
+              <a:t>‹#›</a:t>
             </a:fld>
             <a:endParaRPr lang="en-GB"/>
           </a:p>
@@ -3478,7 +3478,7 @@
           <a:p>
             <a:fld id="{A7E1A4B6-3731-4EDA-AC55-7C43CB84885A}" type="datetimeFigureOut">
               <a:rPr lang="en-GB" smtClean="0"/>
-              <a:t>16/09/2019</a:t>
+              <a:t>07/04/2021</a:t>
             </a:fld>
             <a:endParaRPr lang="en-GB"/>
           </a:p>
@@ -3520,7 +3520,7 @@
           <a:p>
             <a:fld id="{76576B4B-38A6-44EB-8306-DA5BB936D590}" type="slidenum">
               <a:rPr lang="en-GB" smtClean="0"/>
-              <a:t>‹Nº›</a:t>
+              <a:t>‹#›</a:t>
             </a:fld>
             <a:endParaRPr lang="en-GB"/>
           </a:p>
@@ -3691,7 +3691,7 @@
           <a:p>
             <a:fld id="{A7E1A4B6-3731-4EDA-AC55-7C43CB84885A}" type="datetimeFigureOut">
               <a:rPr lang="en-GB" smtClean="0"/>
-              <a:t>16/09/2019</a:t>
+              <a:t>07/04/2021</a:t>
             </a:fld>
             <a:endParaRPr lang="en-GB"/>
           </a:p>
@@ -3769,7 +3769,7 @@
           <a:p>
             <a:fld id="{76576B4B-38A6-44EB-8306-DA5BB936D590}" type="slidenum">
               <a:rPr lang="en-GB" smtClean="0"/>
-              <a:t>‹Nº›</a:t>
+              <a:t>‹#›</a:t>
             </a:fld>
             <a:endParaRPr lang="en-GB"/>
           </a:p>
